--- a/Presentation.pptx
+++ b/Presentation.pptx
@@ -5,11 +5,24 @@
     <p:sldMasterId id="2147483712" r:id="rId4"/>
   </p:sldMasterIdLst>
   <p:notesMasterIdLst>
-    <p:notesMasterId r:id="rId7"/>
+    <p:notesMasterId r:id="rId20"/>
   </p:notesMasterIdLst>
   <p:sldIdLst>
     <p:sldId id="257" r:id="rId5"/>
     <p:sldId id="259" r:id="rId6"/>
+    <p:sldId id="260" r:id="rId7"/>
+    <p:sldId id="261" r:id="rId8"/>
+    <p:sldId id="262" r:id="rId9"/>
+    <p:sldId id="263" r:id="rId10"/>
+    <p:sldId id="264" r:id="rId11"/>
+    <p:sldId id="265" r:id="rId12"/>
+    <p:sldId id="266" r:id="rId13"/>
+    <p:sldId id="267" r:id="rId14"/>
+    <p:sldId id="268" r:id="rId15"/>
+    <p:sldId id="269" r:id="rId16"/>
+    <p:sldId id="270" r:id="rId17"/>
+    <p:sldId id="271" r:id="rId18"/>
+    <p:sldId id="272" r:id="rId19"/>
   </p:sldIdLst>
   <p:sldSz cx="12192000" cy="6858000"/>
   <p:notesSz cx="6858000" cy="9144000"/>
@@ -198,7 +211,7 @@
           <a:p>
             <a:fld id="{D2500EC2-295B-4420-81DD-814F0AC07832}" type="datetimeFigureOut">
               <a:rPr lang="en-US" smtClean="0"/>
-              <a:t>8/26/2021</a:t>
+              <a:t>8/30/2021</a:t>
             </a:fld>
             <a:endParaRPr lang="en-US"/>
           </a:p>
@@ -543,6 +556,24 @@
               </a:rPr>
               <a:t>/server:2019-latest</a:t>
             </a:r>
+          </a:p>
+          <a:p>
+            <a:r>
+              <a:rPr lang="en-US" dirty="0"/>
+              <a:t>docker run -d --name </a:t>
+            </a:r>
+            <a:r>
+              <a:rPr lang="en-US" dirty="0" err="1"/>
+              <a:t>sonarqube</a:t>
+            </a:r>
+            <a:r>
+              <a:rPr lang="en-US" dirty="0"/>
+              <a:t> -e SONAR_ES_BOOTSTRAP_CHECKS_DISABLE=true -p 9000:9000 </a:t>
+            </a:r>
+            <a:r>
+              <a:rPr lang="en-US" dirty="0" err="1"/>
+              <a:t>sonarqube:latest</a:t>
+            </a:r>
             <a:endParaRPr lang="en-US" dirty="0"/>
           </a:p>
         </p:txBody>
@@ -574,6 +605,185 @@
     <p:extLst>
       <p:ext uri="{BB962C8B-B14F-4D97-AF65-F5344CB8AC3E}">
         <p14:creationId xmlns:p14="http://schemas.microsoft.com/office/powerpoint/2010/main" val="2233946541"/>
+      </p:ext>
+    </p:extLst>
+  </p:cSld>
+  <p:clrMapOvr>
+    <a:masterClrMapping/>
+  </p:clrMapOvr>
+</p:notes>
+</file>
+
+<file path=ppt/notesSlides/notesSlide2.xml><?xml version="1.0" encoding="utf-8"?>
+<p:notes xmlns:a="http://schemas.openxmlformats.org/drawingml/2006/main" xmlns:r="http://schemas.openxmlformats.org/officeDocument/2006/relationships" xmlns:p="http://schemas.openxmlformats.org/presentationml/2006/main">
+  <p:cSld>
+    <p:spTree>
+      <p:nvGrpSpPr>
+        <p:cNvPr id="1" name=""/>
+        <p:cNvGrpSpPr/>
+        <p:nvPr/>
+      </p:nvGrpSpPr>
+      <p:grpSpPr>
+        <a:xfrm>
+          <a:off x="0" y="0"/>
+          <a:ext cx="0" cy="0"/>
+          <a:chOff x="0" y="0"/>
+          <a:chExt cx="0" cy="0"/>
+        </a:xfrm>
+      </p:grpSpPr>
+      <p:sp>
+        <p:nvSpPr>
+          <p:cNvPr id="2" name="Slide Image Placeholder 1"/>
+          <p:cNvSpPr>
+            <a:spLocks noGrp="1" noRot="1" noChangeAspect="1"/>
+          </p:cNvSpPr>
+          <p:nvPr>
+            <p:ph type="sldImg"/>
+          </p:nvPr>
+        </p:nvSpPr>
+        <p:spPr/>
+      </p:sp>
+      <p:sp>
+        <p:nvSpPr>
+          <p:cNvPr id="3" name="Notes Placeholder 2"/>
+          <p:cNvSpPr>
+            <a:spLocks noGrp="1"/>
+          </p:cNvSpPr>
+          <p:nvPr>
+            <p:ph type="body" idx="1"/>
+          </p:nvPr>
+        </p:nvSpPr>
+        <p:spPr/>
+        <p:txBody>
+          <a:bodyPr/>
+          <a:lstStyle/>
+          <a:p>
+            <a:pPr marL="0" marR="0" lvl="0" indent="0" algn="l" defTabSz="914400" rtl="0" eaLnBrk="1" fontAlgn="auto" latinLnBrk="0" hangingPunct="1">
+              <a:lnSpc>
+                <a:spcPct val="100000"/>
+              </a:lnSpc>
+              <a:spcBef>
+                <a:spcPts val="0"/>
+              </a:spcBef>
+              <a:spcAft>
+                <a:spcPts val="0"/>
+              </a:spcAft>
+              <a:buClrTx/>
+              <a:buSzTx/>
+              <a:buFontTx/>
+              <a:buNone/>
+              <a:tabLst/>
+              <a:defRPr/>
+            </a:pPr>
+            <a:r>
+              <a:rPr lang="en-US" dirty="0"/>
+              <a:t>docker run -e "ACCEPT_EULA=Y" -e "SA_PASSWORD=windows11#" -p 1433:1433 -d </a:t>
+            </a:r>
+            <a:r>
+              <a:rPr lang="en-US" b="0" i="0" dirty="0">
+                <a:solidFill>
+                  <a:srgbClr val="244357"/>
+                </a:solidFill>
+                <a:effectLst/>
+                <a:latin typeface="Open Sans" panose="020B0606030504020204" pitchFamily="34" charset="0"/>
+              </a:rPr>
+              <a:t>mcr.microsoft.com/</a:t>
+            </a:r>
+            <a:r>
+              <a:rPr lang="en-US" b="0" i="0" dirty="0" err="1">
+                <a:solidFill>
+                  <a:srgbClr val="244357"/>
+                </a:solidFill>
+                <a:effectLst/>
+                <a:latin typeface="Open Sans" panose="020B0606030504020204" pitchFamily="34" charset="0"/>
+              </a:rPr>
+              <a:t>mssql</a:t>
+            </a:r>
+            <a:r>
+              <a:rPr lang="en-US" b="0" i="0" dirty="0">
+                <a:solidFill>
+                  <a:srgbClr val="244357"/>
+                </a:solidFill>
+                <a:effectLst/>
+                <a:latin typeface="Open Sans" panose="020B0606030504020204" pitchFamily="34" charset="0"/>
+              </a:rPr>
+              <a:t>/server:2019-latest</a:t>
+            </a:r>
+          </a:p>
+          <a:p>
+            <a:pPr marL="0" marR="0" lvl="0" indent="0" algn="l" defTabSz="914400" rtl="0" eaLnBrk="1" fontAlgn="auto" latinLnBrk="0" hangingPunct="1">
+              <a:lnSpc>
+                <a:spcPct val="100000"/>
+              </a:lnSpc>
+              <a:spcBef>
+                <a:spcPts val="0"/>
+              </a:spcBef>
+              <a:spcAft>
+                <a:spcPts val="0"/>
+              </a:spcAft>
+              <a:buClrTx/>
+              <a:buSzTx/>
+              <a:buFontTx/>
+              <a:buNone/>
+              <a:tabLst/>
+              <a:defRPr/>
+            </a:pPr>
+            <a:r>
+              <a:rPr lang="en-US" dirty="0"/>
+              <a:t>docker run -d --name </a:t>
+            </a:r>
+            <a:r>
+              <a:rPr lang="en-US" dirty="0" err="1"/>
+              <a:t>sonarqube</a:t>
+            </a:r>
+            <a:r>
+              <a:rPr lang="en-US" dirty="0"/>
+              <a:t> -e SONAR_ES_BOOTSTRAP_CHECKS_DISABLE=true -p 9000:9000 </a:t>
+            </a:r>
+            <a:r>
+              <a:rPr lang="en-US" dirty="0" err="1"/>
+              <a:t>sonarqube:latest</a:t>
+            </a:r>
+            <a:endParaRPr lang="en-US" b="0" i="0" dirty="0">
+              <a:solidFill>
+                <a:srgbClr val="244357"/>
+              </a:solidFill>
+              <a:effectLst/>
+              <a:latin typeface="Open Sans" panose="020B0606030504020204" pitchFamily="34" charset="0"/>
+            </a:endParaRPr>
+          </a:p>
+          <a:p>
+            <a:endParaRPr lang="en-US" dirty="0"/>
+          </a:p>
+        </p:txBody>
+      </p:sp>
+      <p:sp>
+        <p:nvSpPr>
+          <p:cNvPr id="4" name="Slide Number Placeholder 3"/>
+          <p:cNvSpPr>
+            <a:spLocks noGrp="1"/>
+          </p:cNvSpPr>
+          <p:nvPr>
+            <p:ph type="sldNum" sz="quarter" idx="5"/>
+          </p:nvPr>
+        </p:nvSpPr>
+        <p:spPr/>
+        <p:txBody>
+          <a:bodyPr/>
+          <a:lstStyle/>
+          <a:p>
+            <a:fld id="{061E320F-72C8-4730-8F4C-27B225F7FD30}" type="slidenum">
+              <a:rPr lang="en-US" smtClean="0"/>
+              <a:t>11</a:t>
+            </a:fld>
+            <a:endParaRPr lang="en-US"/>
+          </a:p>
+        </p:txBody>
+      </p:sp>
+    </p:spTree>
+    <p:extLst>
+      <p:ext uri="{BB962C8B-B14F-4D97-AF65-F5344CB8AC3E}">
+        <p14:creationId xmlns:p14="http://schemas.microsoft.com/office/powerpoint/2010/main" val="2617677914"/>
       </p:ext>
     </p:extLst>
   </p:cSld>
@@ -821,7 +1031,7 @@
           <a:p>
             <a:fld id="{ED291B17-9318-49DB-B28B-6E5994AE9581}" type="datetime1">
               <a:rPr lang="en-US" smtClean="0"/>
-              <a:t>8/26/2021</a:t>
+              <a:t>8/30/2021</a:t>
             </a:fld>
             <a:endParaRPr lang="en-US" dirty="0"/>
           </a:p>
@@ -1024,7 +1234,7 @@
           <a:p>
             <a:fld id="{2CED4963-E985-44C4-B8C4-FDD613B7C2F8}" type="datetime1">
               <a:rPr lang="en-US" smtClean="0"/>
-              <a:t>8/26/2021</a:t>
+              <a:t>8/30/2021</a:t>
             </a:fld>
             <a:endParaRPr lang="en-US" dirty="0"/>
           </a:p>
@@ -1386,7 +1596,7 @@
           <a:p>
             <a:fld id="{ED291B17-9318-49DB-B28B-6E5994AE9581}" type="datetime1">
               <a:rPr lang="en-US" smtClean="0"/>
-              <a:t>8/26/2021</a:t>
+              <a:t>8/30/2021</a:t>
             </a:fld>
             <a:endParaRPr lang="en-US" dirty="0"/>
           </a:p>
@@ -1584,7 +1794,7 @@
           <a:p>
             <a:fld id="{78DD82B9-B8EE-4375-B6FF-88FA6ABB15D9}" type="datetime1">
               <a:rPr lang="en-US" smtClean="0"/>
-              <a:t>8/26/2021</a:t>
+              <a:t>8/30/2021</a:t>
             </a:fld>
             <a:endParaRPr lang="en-US" dirty="0"/>
           </a:p>
@@ -1896,7 +2106,7 @@
           <a:p>
             <a:fld id="{B2497495-0637-405E-AE64-5CC7506D51F5}" type="datetime1">
               <a:rPr lang="en-US" smtClean="0"/>
-              <a:t>8/26/2021</a:t>
+              <a:t>8/30/2021</a:t>
             </a:fld>
             <a:endParaRPr lang="en-US" dirty="0"/>
           </a:p>
@@ -2149,7 +2359,7 @@
           <a:p>
             <a:fld id="{7BFFD690-9426-415D-8B65-26881E07B2D4}" type="datetime1">
               <a:rPr lang="en-US" smtClean="0"/>
-              <a:t>8/26/2021</a:t>
+              <a:t>8/30/2021</a:t>
             </a:fld>
             <a:endParaRPr lang="en-US" dirty="0"/>
           </a:p>
@@ -2571,7 +2781,7 @@
           <a:p>
             <a:fld id="{04C4989A-474C-40DE-95B9-011C28B71673}" type="datetime1">
               <a:rPr lang="en-US" smtClean="0"/>
-              <a:t>8/26/2021</a:t>
+              <a:t>8/30/2021</a:t>
             </a:fld>
             <a:endParaRPr lang="en-US" dirty="0"/>
           </a:p>
@@ -2694,7 +2904,7 @@
           <a:p>
             <a:fld id="{5DB4ED54-5B5E-4A04-93D3-5772E3CE3818}" type="datetime1">
               <a:rPr lang="en-US" smtClean="0"/>
-              <a:t>8/26/2021</a:t>
+              <a:t>8/30/2021</a:t>
             </a:fld>
             <a:endParaRPr lang="en-US" dirty="0"/>
           </a:p>
@@ -2789,7 +2999,7 @@
           <a:p>
             <a:fld id="{4EDE50D6-574B-40AF-946F-D52A04ADE379}" type="datetime1">
               <a:rPr lang="en-US" smtClean="0"/>
-              <a:t>8/26/2021</a:t>
+              <a:t>8/30/2021</a:t>
             </a:fld>
             <a:endParaRPr lang="en-US" dirty="0"/>
           </a:p>
@@ -3166,7 +3376,7 @@
           <a:p>
             <a:fld id="{D82884F1-FFEA-405F-9602-3DCA865EDA4E}" type="datetime1">
               <a:rPr lang="en-US" smtClean="0"/>
-              <a:t>8/26/2021</a:t>
+              <a:t>8/30/2021</a:t>
             </a:fld>
             <a:endParaRPr lang="en-US" dirty="0"/>
           </a:p>
@@ -3459,7 +3669,7 @@
           <a:p>
             <a:fld id="{7E18DB4A-8810-4A10-AD5C-D5E2C667F5B3}" type="datetime1">
               <a:rPr lang="en-US" smtClean="0"/>
-              <a:t>8/26/2021</a:t>
+              <a:t>8/30/2021</a:t>
             </a:fld>
             <a:endParaRPr lang="en-US" dirty="0"/>
           </a:p>
@@ -3674,7 +3884,7 @@
           <a:p>
             <a:fld id="{ED291B17-9318-49DB-B28B-6E5994AE9581}" type="datetime1">
               <a:rPr lang="en-US" smtClean="0"/>
-              <a:t>8/26/2021</a:t>
+              <a:t>8/30/2021</a:t>
             </a:fld>
             <a:endParaRPr lang="en-US" dirty="0"/>
           </a:p>
@@ -4654,6 +4864,732 @@
 </p:sld>
 </file>
 
+<file path=ppt/slides/slide10.xml><?xml version="1.0" encoding="utf-8"?>
+<p:sld xmlns:a="http://schemas.openxmlformats.org/drawingml/2006/main" xmlns:r="http://schemas.openxmlformats.org/officeDocument/2006/relationships" xmlns:p="http://schemas.openxmlformats.org/presentationml/2006/main">
+  <p:cSld>
+    <p:spTree>
+      <p:nvGrpSpPr>
+        <p:cNvPr id="1" name=""/>
+        <p:cNvGrpSpPr/>
+        <p:nvPr/>
+      </p:nvGrpSpPr>
+      <p:grpSpPr>
+        <a:xfrm>
+          <a:off x="0" y="0"/>
+          <a:ext cx="0" cy="0"/>
+          <a:chOff x="0" y="0"/>
+          <a:chExt cx="0" cy="0"/>
+        </a:xfrm>
+      </p:grpSpPr>
+      <p:sp>
+        <p:nvSpPr>
+          <p:cNvPr id="2" name="Title 1">
+            <a:extLst>
+              <a:ext uri="{FF2B5EF4-FFF2-40B4-BE49-F238E27FC236}">
+                <a16:creationId xmlns:a16="http://schemas.microsoft.com/office/drawing/2014/main" id="{3088B7BB-A012-4C9B-93CC-E2F880444F0D}"/>
+              </a:ext>
+            </a:extLst>
+          </p:cNvPr>
+          <p:cNvSpPr>
+            <a:spLocks noGrp="1"/>
+          </p:cNvSpPr>
+          <p:nvPr>
+            <p:ph type="title"/>
+          </p:nvPr>
+        </p:nvSpPr>
+        <p:spPr>
+          <a:xfrm>
+            <a:off x="581192" y="702156"/>
+            <a:ext cx="11029616" cy="457777"/>
+          </a:xfrm>
+        </p:spPr>
+        <p:txBody>
+          <a:bodyPr>
+            <a:normAutofit fontScale="90000"/>
+          </a:bodyPr>
+          <a:lstStyle/>
+          <a:p>
+            <a:r>
+              <a:rPr lang="en-US" dirty="0"/>
+              <a:t>DEMO5 –Idisposable-3</a:t>
+            </a:r>
+          </a:p>
+        </p:txBody>
+      </p:sp>
+      <p:pic>
+        <p:nvPicPr>
+          <p:cNvPr id="5" name="Picture 4">
+            <a:extLst>
+              <a:ext uri="{FF2B5EF4-FFF2-40B4-BE49-F238E27FC236}">
+                <a16:creationId xmlns:a16="http://schemas.microsoft.com/office/drawing/2014/main" id="{652D7EB9-C9A2-4DE8-BAF1-E215480BE29E}"/>
+              </a:ext>
+            </a:extLst>
+          </p:cNvPr>
+          <p:cNvPicPr>
+            <a:picLocks noChangeAspect="1"/>
+          </p:cNvPicPr>
+          <p:nvPr/>
+        </p:nvPicPr>
+        <p:blipFill>
+          <a:blip r:embed="rId2"/>
+          <a:stretch>
+            <a:fillRect/>
+          </a:stretch>
+        </p:blipFill>
+        <p:spPr>
+          <a:xfrm>
+            <a:off x="70811" y="1159933"/>
+            <a:ext cx="12192000" cy="5174928"/>
+          </a:xfrm>
+          <a:prstGeom prst="rect">
+            <a:avLst/>
+          </a:prstGeom>
+        </p:spPr>
+      </p:pic>
+    </p:spTree>
+    <p:extLst>
+      <p:ext uri="{BB962C8B-B14F-4D97-AF65-F5344CB8AC3E}">
+        <p14:creationId xmlns:p14="http://schemas.microsoft.com/office/powerpoint/2010/main" val="3368938819"/>
+      </p:ext>
+    </p:extLst>
+  </p:cSld>
+  <p:clrMapOvr>
+    <a:masterClrMapping/>
+  </p:clrMapOvr>
+</p:sld>
+</file>
+
+<file path=ppt/slides/slide11.xml><?xml version="1.0" encoding="utf-8"?>
+<p:sld xmlns:a="http://schemas.openxmlformats.org/drawingml/2006/main" xmlns:r="http://schemas.openxmlformats.org/officeDocument/2006/relationships" xmlns:p="http://schemas.openxmlformats.org/presentationml/2006/main">
+  <p:cSld>
+    <p:spTree>
+      <p:nvGrpSpPr>
+        <p:cNvPr id="1" name=""/>
+        <p:cNvGrpSpPr/>
+        <p:nvPr/>
+      </p:nvGrpSpPr>
+      <p:grpSpPr>
+        <a:xfrm>
+          <a:off x="0" y="0"/>
+          <a:ext cx="0" cy="0"/>
+          <a:chOff x="0" y="0"/>
+          <a:chExt cx="0" cy="0"/>
+        </a:xfrm>
+      </p:grpSpPr>
+      <p:sp>
+        <p:nvSpPr>
+          <p:cNvPr id="2" name="Title 1">
+            <a:extLst>
+              <a:ext uri="{FF2B5EF4-FFF2-40B4-BE49-F238E27FC236}">
+                <a16:creationId xmlns:a16="http://schemas.microsoft.com/office/drawing/2014/main" id="{A55A32C2-E1CF-4E09-A5EF-016710894460}"/>
+              </a:ext>
+            </a:extLst>
+          </p:cNvPr>
+          <p:cNvSpPr>
+            <a:spLocks noGrp="1"/>
+          </p:cNvSpPr>
+          <p:nvPr>
+            <p:ph type="title"/>
+          </p:nvPr>
+        </p:nvSpPr>
+        <p:spPr>
+          <a:xfrm>
+            <a:off x="581192" y="702156"/>
+            <a:ext cx="11029616" cy="458429"/>
+          </a:xfrm>
+        </p:spPr>
+        <p:txBody>
+          <a:bodyPr>
+            <a:normAutofit fontScale="90000"/>
+          </a:bodyPr>
+          <a:lstStyle/>
+          <a:p>
+            <a:r>
+              <a:rPr lang="en-US" dirty="0"/>
+              <a:t>Demo 7</a:t>
+            </a:r>
+          </a:p>
+        </p:txBody>
+      </p:sp>
+      <p:pic>
+        <p:nvPicPr>
+          <p:cNvPr id="5" name="Picture 4">
+            <a:extLst>
+              <a:ext uri="{FF2B5EF4-FFF2-40B4-BE49-F238E27FC236}">
+                <a16:creationId xmlns:a16="http://schemas.microsoft.com/office/drawing/2014/main" id="{9EBFD7FF-1DC5-4655-BCE6-43DFC1A704A8}"/>
+              </a:ext>
+            </a:extLst>
+          </p:cNvPr>
+          <p:cNvPicPr>
+            <a:picLocks noChangeAspect="1"/>
+          </p:cNvPicPr>
+          <p:nvPr/>
+        </p:nvPicPr>
+        <p:blipFill>
+          <a:blip r:embed="rId3"/>
+          <a:stretch>
+            <a:fillRect/>
+          </a:stretch>
+        </p:blipFill>
+        <p:spPr>
+          <a:xfrm>
+            <a:off x="0" y="1052301"/>
+            <a:ext cx="12192000" cy="5964195"/>
+          </a:xfrm>
+          <a:prstGeom prst="rect">
+            <a:avLst/>
+          </a:prstGeom>
+        </p:spPr>
+      </p:pic>
+    </p:spTree>
+    <p:extLst>
+      <p:ext uri="{BB962C8B-B14F-4D97-AF65-F5344CB8AC3E}">
+        <p14:creationId xmlns:p14="http://schemas.microsoft.com/office/powerpoint/2010/main" val="1757060053"/>
+      </p:ext>
+    </p:extLst>
+  </p:cSld>
+  <p:clrMapOvr>
+    <a:masterClrMapping/>
+  </p:clrMapOvr>
+</p:sld>
+</file>
+
+<file path=ppt/slides/slide12.xml><?xml version="1.0" encoding="utf-8"?>
+<p:sld xmlns:a="http://schemas.openxmlformats.org/drawingml/2006/main" xmlns:r="http://schemas.openxmlformats.org/officeDocument/2006/relationships" xmlns:p="http://schemas.openxmlformats.org/presentationml/2006/main">
+  <p:cSld>
+    <p:spTree>
+      <p:nvGrpSpPr>
+        <p:cNvPr id="1" name=""/>
+        <p:cNvGrpSpPr/>
+        <p:nvPr/>
+      </p:nvGrpSpPr>
+      <p:grpSpPr>
+        <a:xfrm>
+          <a:off x="0" y="0"/>
+          <a:ext cx="0" cy="0"/>
+          <a:chOff x="0" y="0"/>
+          <a:chExt cx="0" cy="0"/>
+        </a:xfrm>
+      </p:grpSpPr>
+      <p:sp>
+        <p:nvSpPr>
+          <p:cNvPr id="2" name="Title 1">
+            <a:extLst>
+              <a:ext uri="{FF2B5EF4-FFF2-40B4-BE49-F238E27FC236}">
+                <a16:creationId xmlns:a16="http://schemas.microsoft.com/office/drawing/2014/main" id="{34A48FBC-3FDE-4EDE-B399-0ECC41F313F3}"/>
+              </a:ext>
+            </a:extLst>
+          </p:cNvPr>
+          <p:cNvSpPr>
+            <a:spLocks noGrp="1"/>
+          </p:cNvSpPr>
+          <p:nvPr>
+            <p:ph type="title"/>
+          </p:nvPr>
+        </p:nvSpPr>
+        <p:spPr>
+          <a:xfrm>
+            <a:off x="581192" y="702156"/>
+            <a:ext cx="11029616" cy="565812"/>
+          </a:xfrm>
+        </p:spPr>
+        <p:txBody>
+          <a:bodyPr/>
+          <a:lstStyle/>
+          <a:p>
+            <a:r>
+              <a:rPr lang="en-US" dirty="0"/>
+              <a:t>DEMO 8 - 1</a:t>
+            </a:r>
+          </a:p>
+        </p:txBody>
+      </p:sp>
+      <p:pic>
+        <p:nvPicPr>
+          <p:cNvPr id="5" name="Picture 4">
+            <a:extLst>
+              <a:ext uri="{FF2B5EF4-FFF2-40B4-BE49-F238E27FC236}">
+                <a16:creationId xmlns:a16="http://schemas.microsoft.com/office/drawing/2014/main" id="{B39C60CA-CD18-4775-927F-921F122D7388}"/>
+              </a:ext>
+            </a:extLst>
+          </p:cNvPr>
+          <p:cNvPicPr>
+            <a:picLocks noChangeAspect="1"/>
+          </p:cNvPicPr>
+          <p:nvPr/>
+        </p:nvPicPr>
+        <p:blipFill>
+          <a:blip r:embed="rId2"/>
+          <a:stretch>
+            <a:fillRect/>
+          </a:stretch>
+        </p:blipFill>
+        <p:spPr>
+          <a:xfrm>
+            <a:off x="0" y="1267968"/>
+            <a:ext cx="6724650" cy="2038350"/>
+          </a:xfrm>
+          <a:prstGeom prst="rect">
+            <a:avLst/>
+          </a:prstGeom>
+        </p:spPr>
+      </p:pic>
+      <p:sp>
+        <p:nvSpPr>
+          <p:cNvPr id="6" name="TextBox 5">
+            <a:extLst>
+              <a:ext uri="{FF2B5EF4-FFF2-40B4-BE49-F238E27FC236}">
+                <a16:creationId xmlns:a16="http://schemas.microsoft.com/office/drawing/2014/main" id="{5E68CE33-99E6-4E85-ABE9-12133A07EDA2}"/>
+              </a:ext>
+            </a:extLst>
+          </p:cNvPr>
+          <p:cNvSpPr txBox="1"/>
+          <p:nvPr/>
+        </p:nvSpPr>
+        <p:spPr>
+          <a:xfrm>
+            <a:off x="0" y="3367017"/>
+            <a:ext cx="11969262" cy="2585323"/>
+          </a:xfrm>
+          <a:prstGeom prst="rect">
+            <a:avLst/>
+          </a:prstGeom>
+          <a:noFill/>
+        </p:spPr>
+        <p:txBody>
+          <a:bodyPr wrap="square" rtlCol="0">
+            <a:spAutoFit/>
+          </a:bodyPr>
+          <a:lstStyle/>
+          <a:p>
+            <a:endParaRPr lang="en-US" dirty="0"/>
+          </a:p>
+          <a:p>
+            <a:r>
+              <a:rPr lang="en-US" dirty="0"/>
+              <a:t>It is bit too cautious for inherited classes w.t.t </a:t>
+            </a:r>
+            <a:r>
+              <a:rPr lang="en-US" dirty="0" err="1"/>
+              <a:t>IDisposable</a:t>
+            </a:r>
+            <a:r>
+              <a:rPr lang="en-US" dirty="0"/>
+              <a:t>. It is left to the user to implement the dispose pattern. Once the pattern is implemented, it will ensure that is implement properly or not.</a:t>
+            </a:r>
+          </a:p>
+          <a:p>
+            <a:r>
+              <a:rPr lang="en-US" dirty="0"/>
+              <a:t>For example : </a:t>
+            </a:r>
+          </a:p>
+          <a:p>
+            <a:r>
+              <a:rPr lang="en-US" dirty="0" err="1"/>
+              <a:t>HttpClient</a:t>
+            </a:r>
+            <a:r>
+              <a:rPr lang="en-US" dirty="0"/>
+              <a:t> inherits from </a:t>
+            </a:r>
+            <a:r>
+              <a:rPr lang="en-US" dirty="0" err="1"/>
+              <a:t>HttpMessageInvoker</a:t>
+            </a:r>
+            <a:r>
+              <a:rPr lang="en-US" dirty="0"/>
+              <a:t>. </a:t>
+            </a:r>
+            <a:r>
+              <a:rPr lang="en-US" dirty="0" err="1"/>
+              <a:t>HttpMessageInvoker</a:t>
+            </a:r>
+            <a:r>
+              <a:rPr lang="en-US" dirty="0"/>
+              <a:t> implements </a:t>
+            </a:r>
+            <a:r>
+              <a:rPr lang="en-US" dirty="0" err="1"/>
+              <a:t>IDisposable</a:t>
+            </a:r>
+            <a:r>
+              <a:rPr lang="en-US" dirty="0"/>
+              <a:t>.</a:t>
+            </a:r>
+          </a:p>
+          <a:p>
+            <a:r>
+              <a:rPr lang="en-US" dirty="0"/>
+              <a:t>List&lt;Task&gt;  to be disposed as Task implements </a:t>
+            </a:r>
+            <a:r>
+              <a:rPr lang="en-US" dirty="0" err="1"/>
+              <a:t>IDisposable</a:t>
+            </a:r>
+            <a:r>
+              <a:rPr lang="en-US" dirty="0"/>
+              <a:t>.</a:t>
+            </a:r>
+          </a:p>
+          <a:p>
+            <a:r>
+              <a:rPr lang="en-US" dirty="0" err="1"/>
+              <a:t>IServiceScopeFactory</a:t>
+            </a:r>
+            <a:r>
+              <a:rPr lang="en-US" dirty="0"/>
+              <a:t> have a member </a:t>
+            </a:r>
+            <a:r>
+              <a:rPr lang="en-US" dirty="0" err="1"/>
+              <a:t>IServiceScope</a:t>
+            </a:r>
+            <a:r>
+              <a:rPr lang="en-US" dirty="0"/>
+              <a:t>. </a:t>
+            </a:r>
+            <a:r>
+              <a:rPr lang="en-US" dirty="0" err="1"/>
+              <a:t>IServiceScope</a:t>
+            </a:r>
+            <a:r>
+              <a:rPr lang="en-US" dirty="0"/>
+              <a:t> inherits from </a:t>
+            </a:r>
+            <a:r>
+              <a:rPr lang="en-US" dirty="0" err="1"/>
+              <a:t>Idisopsoable</a:t>
+            </a:r>
+            <a:endParaRPr lang="en-US" dirty="0"/>
+          </a:p>
+          <a:p>
+            <a:r>
+              <a:rPr lang="en-US" dirty="0" err="1"/>
+              <a:t>FileSystemWatcher</a:t>
+            </a:r>
+            <a:r>
+              <a:rPr lang="en-US" dirty="0"/>
+              <a:t> inherits from Component. Component interface inherits from </a:t>
+            </a:r>
+            <a:r>
+              <a:rPr lang="en-US" dirty="0" err="1"/>
+              <a:t>IComponent</a:t>
+            </a:r>
+            <a:r>
+              <a:rPr lang="en-US" dirty="0"/>
+              <a:t> which in turn inherits from </a:t>
+            </a:r>
+            <a:r>
+              <a:rPr lang="en-US" dirty="0" err="1"/>
+              <a:t>IDisposable</a:t>
+            </a:r>
+            <a:r>
+              <a:rPr lang="en-US" dirty="0"/>
+              <a:t>.</a:t>
+            </a:r>
+          </a:p>
+        </p:txBody>
+      </p:sp>
+    </p:spTree>
+    <p:extLst>
+      <p:ext uri="{BB962C8B-B14F-4D97-AF65-F5344CB8AC3E}">
+        <p14:creationId xmlns:p14="http://schemas.microsoft.com/office/powerpoint/2010/main" val="828874384"/>
+      </p:ext>
+    </p:extLst>
+  </p:cSld>
+  <p:clrMapOvr>
+    <a:masterClrMapping/>
+  </p:clrMapOvr>
+</p:sld>
+</file>
+
+<file path=ppt/slides/slide13.xml><?xml version="1.0" encoding="utf-8"?>
+<p:sld xmlns:a="http://schemas.openxmlformats.org/drawingml/2006/main" xmlns:r="http://schemas.openxmlformats.org/officeDocument/2006/relationships" xmlns:p="http://schemas.openxmlformats.org/presentationml/2006/main">
+  <p:cSld>
+    <p:spTree>
+      <p:nvGrpSpPr>
+        <p:cNvPr id="1" name=""/>
+        <p:cNvGrpSpPr/>
+        <p:nvPr/>
+      </p:nvGrpSpPr>
+      <p:grpSpPr>
+        <a:xfrm>
+          <a:off x="0" y="0"/>
+          <a:ext cx="0" cy="0"/>
+          <a:chOff x="0" y="0"/>
+          <a:chExt cx="0" cy="0"/>
+        </a:xfrm>
+      </p:grpSpPr>
+      <p:sp>
+        <p:nvSpPr>
+          <p:cNvPr id="2" name="Title 1">
+            <a:extLst>
+              <a:ext uri="{FF2B5EF4-FFF2-40B4-BE49-F238E27FC236}">
+                <a16:creationId xmlns:a16="http://schemas.microsoft.com/office/drawing/2014/main" id="{34A48FBC-3FDE-4EDE-B399-0ECC41F313F3}"/>
+              </a:ext>
+            </a:extLst>
+          </p:cNvPr>
+          <p:cNvSpPr>
+            <a:spLocks noGrp="1"/>
+          </p:cNvSpPr>
+          <p:nvPr>
+            <p:ph type="title"/>
+          </p:nvPr>
+        </p:nvSpPr>
+        <p:spPr>
+          <a:xfrm>
+            <a:off x="581192" y="702156"/>
+            <a:ext cx="11029616" cy="565812"/>
+          </a:xfrm>
+        </p:spPr>
+        <p:txBody>
+          <a:bodyPr/>
+          <a:lstStyle/>
+          <a:p>
+            <a:r>
+              <a:rPr lang="en-US" dirty="0"/>
+              <a:t>DEMO 8 -2</a:t>
+            </a:r>
+          </a:p>
+        </p:txBody>
+      </p:sp>
+      <p:pic>
+        <p:nvPicPr>
+          <p:cNvPr id="4" name="Picture 3">
+            <a:extLst>
+              <a:ext uri="{FF2B5EF4-FFF2-40B4-BE49-F238E27FC236}">
+                <a16:creationId xmlns:a16="http://schemas.microsoft.com/office/drawing/2014/main" id="{C4AD27C5-E0B7-4CD1-8B48-31C9FDA6A7C2}"/>
+              </a:ext>
+            </a:extLst>
+          </p:cNvPr>
+          <p:cNvPicPr>
+            <a:picLocks noChangeAspect="1"/>
+          </p:cNvPicPr>
+          <p:nvPr/>
+        </p:nvPicPr>
+        <p:blipFill>
+          <a:blip r:embed="rId2"/>
+          <a:stretch>
+            <a:fillRect/>
+          </a:stretch>
+        </p:blipFill>
+        <p:spPr>
+          <a:xfrm>
+            <a:off x="0" y="1183086"/>
+            <a:ext cx="10305650" cy="5592574"/>
+          </a:xfrm>
+          <a:prstGeom prst="rect">
+            <a:avLst/>
+          </a:prstGeom>
+        </p:spPr>
+      </p:pic>
+    </p:spTree>
+    <p:extLst>
+      <p:ext uri="{BB962C8B-B14F-4D97-AF65-F5344CB8AC3E}">
+        <p14:creationId xmlns:p14="http://schemas.microsoft.com/office/powerpoint/2010/main" val="322197817"/>
+      </p:ext>
+    </p:extLst>
+  </p:cSld>
+  <p:clrMapOvr>
+    <a:masterClrMapping/>
+  </p:clrMapOvr>
+</p:sld>
+</file>
+
+<file path=ppt/slides/slide14.xml><?xml version="1.0" encoding="utf-8"?>
+<p:sld xmlns:a="http://schemas.openxmlformats.org/drawingml/2006/main" xmlns:r="http://schemas.openxmlformats.org/officeDocument/2006/relationships" xmlns:p="http://schemas.openxmlformats.org/presentationml/2006/main">
+  <p:cSld>
+    <p:spTree>
+      <p:nvGrpSpPr>
+        <p:cNvPr id="1" name=""/>
+        <p:cNvGrpSpPr/>
+        <p:nvPr/>
+      </p:nvGrpSpPr>
+      <p:grpSpPr>
+        <a:xfrm>
+          <a:off x="0" y="0"/>
+          <a:ext cx="0" cy="0"/>
+          <a:chOff x="0" y="0"/>
+          <a:chExt cx="0" cy="0"/>
+        </a:xfrm>
+      </p:grpSpPr>
+      <p:sp>
+        <p:nvSpPr>
+          <p:cNvPr id="2" name="Title 1">
+            <a:extLst>
+              <a:ext uri="{FF2B5EF4-FFF2-40B4-BE49-F238E27FC236}">
+                <a16:creationId xmlns:a16="http://schemas.microsoft.com/office/drawing/2014/main" id="{932E098D-A2C8-46BC-AB7E-2C29A6E4CC05}"/>
+              </a:ext>
+            </a:extLst>
+          </p:cNvPr>
+          <p:cNvSpPr>
+            <a:spLocks noGrp="1"/>
+          </p:cNvSpPr>
+          <p:nvPr>
+            <p:ph type="title"/>
+          </p:nvPr>
+        </p:nvSpPr>
+        <p:spPr>
+          <a:xfrm>
+            <a:off x="581192" y="702156"/>
+            <a:ext cx="11029616" cy="489335"/>
+          </a:xfrm>
+        </p:spPr>
+        <p:txBody>
+          <a:bodyPr>
+            <a:normAutofit fontScale="90000"/>
+          </a:bodyPr>
+          <a:lstStyle/>
+          <a:p>
+            <a:r>
+              <a:rPr lang="en-US" dirty="0"/>
+              <a:t>Demo 9 – Modern APP</a:t>
+            </a:r>
+          </a:p>
+        </p:txBody>
+      </p:sp>
+      <p:pic>
+        <p:nvPicPr>
+          <p:cNvPr id="5" name="Picture 4">
+            <a:extLst>
+              <a:ext uri="{FF2B5EF4-FFF2-40B4-BE49-F238E27FC236}">
+                <a16:creationId xmlns:a16="http://schemas.microsoft.com/office/drawing/2014/main" id="{DCC2C9A7-4627-43BE-844B-4F770A902C67}"/>
+              </a:ext>
+            </a:extLst>
+          </p:cNvPr>
+          <p:cNvPicPr>
+            <a:picLocks noChangeAspect="1"/>
+          </p:cNvPicPr>
+          <p:nvPr/>
+        </p:nvPicPr>
+        <p:blipFill>
+          <a:blip r:embed="rId2"/>
+          <a:stretch>
+            <a:fillRect/>
+          </a:stretch>
+        </p:blipFill>
+        <p:spPr>
+          <a:xfrm>
+            <a:off x="414337" y="1419225"/>
+            <a:ext cx="11058525" cy="4019550"/>
+          </a:xfrm>
+          <a:prstGeom prst="rect">
+            <a:avLst/>
+          </a:prstGeom>
+        </p:spPr>
+      </p:pic>
+    </p:spTree>
+    <p:extLst>
+      <p:ext uri="{BB962C8B-B14F-4D97-AF65-F5344CB8AC3E}">
+        <p14:creationId xmlns:p14="http://schemas.microsoft.com/office/powerpoint/2010/main" val="114070976"/>
+      </p:ext>
+    </p:extLst>
+  </p:cSld>
+  <p:clrMapOvr>
+    <a:masterClrMapping/>
+  </p:clrMapOvr>
+</p:sld>
+</file>
+
+<file path=ppt/slides/slide15.xml><?xml version="1.0" encoding="utf-8"?>
+<p:sld xmlns:a="http://schemas.openxmlformats.org/drawingml/2006/main" xmlns:r="http://schemas.openxmlformats.org/officeDocument/2006/relationships" xmlns:p="http://schemas.openxmlformats.org/presentationml/2006/main">
+  <p:cSld>
+    <p:spTree>
+      <p:nvGrpSpPr>
+        <p:cNvPr id="1" name=""/>
+        <p:cNvGrpSpPr/>
+        <p:nvPr/>
+      </p:nvGrpSpPr>
+      <p:grpSpPr>
+        <a:xfrm>
+          <a:off x="0" y="0"/>
+          <a:ext cx="0" cy="0"/>
+          <a:chOff x="0" y="0"/>
+          <a:chExt cx="0" cy="0"/>
+        </a:xfrm>
+      </p:grpSpPr>
+      <p:sp>
+        <p:nvSpPr>
+          <p:cNvPr id="2" name="Title 1">
+            <a:extLst>
+              <a:ext uri="{FF2B5EF4-FFF2-40B4-BE49-F238E27FC236}">
+                <a16:creationId xmlns:a16="http://schemas.microsoft.com/office/drawing/2014/main" id="{2B0FEC2B-25AE-4D91-AC1D-28EBC649CE15}"/>
+              </a:ext>
+            </a:extLst>
+          </p:cNvPr>
+          <p:cNvSpPr>
+            <a:spLocks noGrp="1"/>
+          </p:cNvSpPr>
+          <p:nvPr>
+            <p:ph type="title"/>
+          </p:nvPr>
+        </p:nvSpPr>
+        <p:spPr>
+          <a:xfrm>
+            <a:off x="581192" y="702156"/>
+            <a:ext cx="11029616" cy="600171"/>
+          </a:xfrm>
+        </p:spPr>
+        <p:txBody>
+          <a:bodyPr/>
+          <a:lstStyle/>
+          <a:p>
+            <a:r>
+              <a:rPr lang="en-US" dirty="0"/>
+              <a:t>DEMO 10 - </a:t>
+            </a:r>
+            <a:r>
+              <a:rPr lang="en-US" dirty="0" err="1"/>
+              <a:t>IDIsposable</a:t>
+            </a:r>
+            <a:endParaRPr lang="en-US" dirty="0"/>
+          </a:p>
+        </p:txBody>
+      </p:sp>
+      <p:pic>
+        <p:nvPicPr>
+          <p:cNvPr id="5" name="Picture 4">
+            <a:extLst>
+              <a:ext uri="{FF2B5EF4-FFF2-40B4-BE49-F238E27FC236}">
+                <a16:creationId xmlns:a16="http://schemas.microsoft.com/office/drawing/2014/main" id="{589B2948-0111-451C-B73A-BCB595941B57}"/>
+              </a:ext>
+            </a:extLst>
+          </p:cNvPr>
+          <p:cNvPicPr>
+            <a:picLocks noChangeAspect="1"/>
+          </p:cNvPicPr>
+          <p:nvPr/>
+        </p:nvPicPr>
+        <p:blipFill>
+          <a:blip r:embed="rId2"/>
+          <a:stretch>
+            <a:fillRect/>
+          </a:stretch>
+        </p:blipFill>
+        <p:spPr>
+          <a:xfrm>
+            <a:off x="0" y="1743033"/>
+            <a:ext cx="12192000" cy="3371933"/>
+          </a:xfrm>
+          <a:prstGeom prst="rect">
+            <a:avLst/>
+          </a:prstGeom>
+        </p:spPr>
+      </p:pic>
+    </p:spTree>
+    <p:extLst>
+      <p:ext uri="{BB962C8B-B14F-4D97-AF65-F5344CB8AC3E}">
+        <p14:creationId xmlns:p14="http://schemas.microsoft.com/office/powerpoint/2010/main" val="4027941729"/>
+      </p:ext>
+    </p:extLst>
+  </p:cSld>
+  <p:clrMapOvr>
+    <a:masterClrMapping/>
+  </p:clrMapOvr>
+</p:sld>
+</file>
+
 <file path=ppt/slides/slide2.xml><?xml version="1.0" encoding="utf-8"?>
 <p:sld xmlns:a="http://schemas.openxmlformats.org/drawingml/2006/main" xmlns:r="http://schemas.openxmlformats.org/officeDocument/2006/relationships" xmlns:p="http://schemas.openxmlformats.org/presentationml/2006/main">
   <p:cSld>
@@ -4740,6 +5676,835 @@
     <p:extLst>
       <p:ext uri="{BB962C8B-B14F-4D97-AF65-F5344CB8AC3E}">
         <p14:creationId xmlns:p14="http://schemas.microsoft.com/office/powerpoint/2010/main" val="1897408840"/>
+      </p:ext>
+    </p:extLst>
+  </p:cSld>
+  <p:clrMapOvr>
+    <a:masterClrMapping/>
+  </p:clrMapOvr>
+</p:sld>
+</file>
+
+<file path=ppt/slides/slide3.xml><?xml version="1.0" encoding="utf-8"?>
+<p:sld xmlns:a="http://schemas.openxmlformats.org/drawingml/2006/main" xmlns:r="http://schemas.openxmlformats.org/officeDocument/2006/relationships" xmlns:p="http://schemas.openxmlformats.org/presentationml/2006/main">
+  <p:cSld>
+    <p:spTree>
+      <p:nvGrpSpPr>
+        <p:cNvPr id="1" name=""/>
+        <p:cNvGrpSpPr/>
+        <p:nvPr/>
+      </p:nvGrpSpPr>
+      <p:grpSpPr>
+        <a:xfrm>
+          <a:off x="0" y="0"/>
+          <a:ext cx="0" cy="0"/>
+          <a:chOff x="0" y="0"/>
+          <a:chExt cx="0" cy="0"/>
+        </a:xfrm>
+      </p:grpSpPr>
+      <p:sp>
+        <p:nvSpPr>
+          <p:cNvPr id="2" name="Title 1">
+            <a:extLst>
+              <a:ext uri="{FF2B5EF4-FFF2-40B4-BE49-F238E27FC236}">
+                <a16:creationId xmlns:a16="http://schemas.microsoft.com/office/drawing/2014/main" id="{605C9C69-24CB-4945-A110-13BEF3E898AA}"/>
+              </a:ext>
+            </a:extLst>
+          </p:cNvPr>
+          <p:cNvSpPr>
+            <a:spLocks noGrp="1"/>
+          </p:cNvSpPr>
+          <p:nvPr>
+            <p:ph type="title"/>
+          </p:nvPr>
+        </p:nvSpPr>
+        <p:spPr>
+          <a:xfrm>
+            <a:off x="581192" y="702156"/>
+            <a:ext cx="11029616" cy="588421"/>
+          </a:xfrm>
+        </p:spPr>
+        <p:txBody>
+          <a:bodyPr/>
+          <a:lstStyle/>
+          <a:p>
+            <a:r>
+              <a:rPr lang="en-US" dirty="0"/>
+              <a:t>DEMO3 - 1</a:t>
+            </a:r>
+          </a:p>
+        </p:txBody>
+      </p:sp>
+      <p:pic>
+        <p:nvPicPr>
+          <p:cNvPr id="7" name="Picture 6">
+            <a:extLst>
+              <a:ext uri="{FF2B5EF4-FFF2-40B4-BE49-F238E27FC236}">
+                <a16:creationId xmlns:a16="http://schemas.microsoft.com/office/drawing/2014/main" id="{134820DD-41BD-4302-8FD9-E62940BBFDAC}"/>
+              </a:ext>
+            </a:extLst>
+          </p:cNvPr>
+          <p:cNvPicPr>
+            <a:picLocks noChangeAspect="1"/>
+          </p:cNvPicPr>
+          <p:nvPr/>
+        </p:nvPicPr>
+        <p:blipFill>
+          <a:blip r:embed="rId2"/>
+          <a:stretch>
+            <a:fillRect/>
+          </a:stretch>
+        </p:blipFill>
+        <p:spPr>
+          <a:xfrm>
+            <a:off x="0" y="1290577"/>
+            <a:ext cx="12192000" cy="4798704"/>
+          </a:xfrm>
+          <a:prstGeom prst="rect">
+            <a:avLst/>
+          </a:prstGeom>
+        </p:spPr>
+      </p:pic>
+    </p:spTree>
+    <p:extLst>
+      <p:ext uri="{BB962C8B-B14F-4D97-AF65-F5344CB8AC3E}">
+        <p14:creationId xmlns:p14="http://schemas.microsoft.com/office/powerpoint/2010/main" val="2791465432"/>
+      </p:ext>
+    </p:extLst>
+  </p:cSld>
+  <p:clrMapOvr>
+    <a:masterClrMapping/>
+  </p:clrMapOvr>
+</p:sld>
+</file>
+
+<file path=ppt/slides/slide4.xml><?xml version="1.0" encoding="utf-8"?>
+<p:sld xmlns:a="http://schemas.openxmlformats.org/drawingml/2006/main" xmlns:r="http://schemas.openxmlformats.org/officeDocument/2006/relationships" xmlns:p="http://schemas.openxmlformats.org/presentationml/2006/main">
+  <p:cSld>
+    <p:spTree>
+      <p:nvGrpSpPr>
+        <p:cNvPr id="1" name=""/>
+        <p:cNvGrpSpPr/>
+        <p:nvPr/>
+      </p:nvGrpSpPr>
+      <p:grpSpPr>
+        <a:xfrm>
+          <a:off x="0" y="0"/>
+          <a:ext cx="0" cy="0"/>
+          <a:chOff x="0" y="0"/>
+          <a:chExt cx="0" cy="0"/>
+        </a:xfrm>
+      </p:grpSpPr>
+      <p:sp>
+        <p:nvSpPr>
+          <p:cNvPr id="2" name="Title 1">
+            <a:extLst>
+              <a:ext uri="{FF2B5EF4-FFF2-40B4-BE49-F238E27FC236}">
+                <a16:creationId xmlns:a16="http://schemas.microsoft.com/office/drawing/2014/main" id="{605C9C69-24CB-4945-A110-13BEF3E898AA}"/>
+              </a:ext>
+            </a:extLst>
+          </p:cNvPr>
+          <p:cNvSpPr>
+            <a:spLocks noGrp="1"/>
+          </p:cNvSpPr>
+          <p:nvPr>
+            <p:ph type="title"/>
+          </p:nvPr>
+        </p:nvSpPr>
+        <p:spPr>
+          <a:xfrm>
+            <a:off x="581192" y="702156"/>
+            <a:ext cx="11029616" cy="588421"/>
+          </a:xfrm>
+        </p:spPr>
+        <p:txBody>
+          <a:bodyPr/>
+          <a:lstStyle/>
+          <a:p>
+            <a:r>
+              <a:rPr lang="en-US" dirty="0"/>
+              <a:t>DEMO3 - 2</a:t>
+            </a:r>
+          </a:p>
+        </p:txBody>
+      </p:sp>
+      <p:pic>
+        <p:nvPicPr>
+          <p:cNvPr id="4" name="Picture 3">
+            <a:extLst>
+              <a:ext uri="{FF2B5EF4-FFF2-40B4-BE49-F238E27FC236}">
+                <a16:creationId xmlns:a16="http://schemas.microsoft.com/office/drawing/2014/main" id="{DDD4A78C-E4C9-4209-88E8-400FE7759C58}"/>
+              </a:ext>
+            </a:extLst>
+          </p:cNvPr>
+          <p:cNvPicPr>
+            <a:picLocks noChangeAspect="1"/>
+          </p:cNvPicPr>
+          <p:nvPr/>
+        </p:nvPicPr>
+        <p:blipFill>
+          <a:blip r:embed="rId2"/>
+          <a:stretch>
+            <a:fillRect/>
+          </a:stretch>
+        </p:blipFill>
+        <p:spPr>
+          <a:xfrm>
+            <a:off x="0" y="1471931"/>
+            <a:ext cx="12192000" cy="4683913"/>
+          </a:xfrm>
+          <a:prstGeom prst="rect">
+            <a:avLst/>
+          </a:prstGeom>
+        </p:spPr>
+      </p:pic>
+    </p:spTree>
+    <p:extLst>
+      <p:ext uri="{BB962C8B-B14F-4D97-AF65-F5344CB8AC3E}">
+        <p14:creationId xmlns:p14="http://schemas.microsoft.com/office/powerpoint/2010/main" val="1909161787"/>
+      </p:ext>
+    </p:extLst>
+  </p:cSld>
+  <p:clrMapOvr>
+    <a:masterClrMapping/>
+  </p:clrMapOvr>
+</p:sld>
+</file>
+
+<file path=ppt/slides/slide5.xml><?xml version="1.0" encoding="utf-8"?>
+<p:sld xmlns:a="http://schemas.openxmlformats.org/drawingml/2006/main" xmlns:r="http://schemas.openxmlformats.org/officeDocument/2006/relationships" xmlns:p="http://schemas.openxmlformats.org/presentationml/2006/main">
+  <p:cSld>
+    <p:spTree>
+      <p:nvGrpSpPr>
+        <p:cNvPr id="1" name=""/>
+        <p:cNvGrpSpPr/>
+        <p:nvPr/>
+      </p:nvGrpSpPr>
+      <p:grpSpPr>
+        <a:xfrm>
+          <a:off x="0" y="0"/>
+          <a:ext cx="0" cy="0"/>
+          <a:chOff x="0" y="0"/>
+          <a:chExt cx="0" cy="0"/>
+        </a:xfrm>
+      </p:grpSpPr>
+      <p:sp>
+        <p:nvSpPr>
+          <p:cNvPr id="2" name="Title 1">
+            <a:extLst>
+              <a:ext uri="{FF2B5EF4-FFF2-40B4-BE49-F238E27FC236}">
+                <a16:creationId xmlns:a16="http://schemas.microsoft.com/office/drawing/2014/main" id="{BA1350DD-8B66-46CD-B0E1-8A48DA999270}"/>
+              </a:ext>
+            </a:extLst>
+          </p:cNvPr>
+          <p:cNvSpPr>
+            <a:spLocks noGrp="1"/>
+          </p:cNvSpPr>
+          <p:nvPr>
+            <p:ph type="title"/>
+          </p:nvPr>
+        </p:nvSpPr>
+        <p:spPr>
+          <a:xfrm>
+            <a:off x="581192" y="702156"/>
+            <a:ext cx="11029616" cy="565272"/>
+          </a:xfrm>
+        </p:spPr>
+        <p:txBody>
+          <a:bodyPr/>
+          <a:lstStyle/>
+          <a:p>
+            <a:r>
+              <a:rPr lang="en-US" dirty="0"/>
+              <a:t>DEMO4 -1</a:t>
+            </a:r>
+          </a:p>
+        </p:txBody>
+      </p:sp>
+      <p:pic>
+        <p:nvPicPr>
+          <p:cNvPr id="5" name="Picture 4">
+            <a:extLst>
+              <a:ext uri="{FF2B5EF4-FFF2-40B4-BE49-F238E27FC236}">
+                <a16:creationId xmlns:a16="http://schemas.microsoft.com/office/drawing/2014/main" id="{44F75562-3D23-4A55-9788-13D06DAE8D10}"/>
+              </a:ext>
+            </a:extLst>
+          </p:cNvPr>
+          <p:cNvPicPr>
+            <a:picLocks noChangeAspect="1"/>
+          </p:cNvPicPr>
+          <p:nvPr/>
+        </p:nvPicPr>
+        <p:blipFill>
+          <a:blip r:embed="rId2"/>
+          <a:stretch>
+            <a:fillRect/>
+          </a:stretch>
+        </p:blipFill>
+        <p:spPr>
+          <a:xfrm>
+            <a:off x="81023" y="1267428"/>
+            <a:ext cx="12192000" cy="5105296"/>
+          </a:xfrm>
+          <a:prstGeom prst="rect">
+            <a:avLst/>
+          </a:prstGeom>
+        </p:spPr>
+      </p:pic>
+    </p:spTree>
+    <p:extLst>
+      <p:ext uri="{BB962C8B-B14F-4D97-AF65-F5344CB8AC3E}">
+        <p14:creationId xmlns:p14="http://schemas.microsoft.com/office/powerpoint/2010/main" val="3598146248"/>
+      </p:ext>
+    </p:extLst>
+  </p:cSld>
+  <p:clrMapOvr>
+    <a:masterClrMapping/>
+  </p:clrMapOvr>
+</p:sld>
+</file>
+
+<file path=ppt/slides/slide6.xml><?xml version="1.0" encoding="utf-8"?>
+<p:sld xmlns:a="http://schemas.openxmlformats.org/drawingml/2006/main" xmlns:r="http://schemas.openxmlformats.org/officeDocument/2006/relationships" xmlns:p="http://schemas.openxmlformats.org/presentationml/2006/main">
+  <p:cSld>
+    <p:spTree>
+      <p:nvGrpSpPr>
+        <p:cNvPr id="1" name=""/>
+        <p:cNvGrpSpPr/>
+        <p:nvPr/>
+      </p:nvGrpSpPr>
+      <p:grpSpPr>
+        <a:xfrm>
+          <a:off x="0" y="0"/>
+          <a:ext cx="0" cy="0"/>
+          <a:chOff x="0" y="0"/>
+          <a:chExt cx="0" cy="0"/>
+        </a:xfrm>
+      </p:grpSpPr>
+      <p:sp>
+        <p:nvSpPr>
+          <p:cNvPr id="2" name="Title 1">
+            <a:extLst>
+              <a:ext uri="{FF2B5EF4-FFF2-40B4-BE49-F238E27FC236}">
+                <a16:creationId xmlns:a16="http://schemas.microsoft.com/office/drawing/2014/main" id="{BA1350DD-8B66-46CD-B0E1-8A48DA999270}"/>
+              </a:ext>
+            </a:extLst>
+          </p:cNvPr>
+          <p:cNvSpPr>
+            <a:spLocks noGrp="1"/>
+          </p:cNvSpPr>
+          <p:nvPr>
+            <p:ph type="title"/>
+          </p:nvPr>
+        </p:nvSpPr>
+        <p:spPr>
+          <a:xfrm>
+            <a:off x="581192" y="702156"/>
+            <a:ext cx="11029616" cy="565272"/>
+          </a:xfrm>
+        </p:spPr>
+        <p:txBody>
+          <a:bodyPr/>
+          <a:lstStyle/>
+          <a:p>
+            <a:r>
+              <a:rPr lang="en-US" dirty="0"/>
+              <a:t>DEMO4 -2</a:t>
+            </a:r>
+          </a:p>
+        </p:txBody>
+      </p:sp>
+      <p:pic>
+        <p:nvPicPr>
+          <p:cNvPr id="4" name="Picture 3">
+            <a:extLst>
+              <a:ext uri="{FF2B5EF4-FFF2-40B4-BE49-F238E27FC236}">
+                <a16:creationId xmlns:a16="http://schemas.microsoft.com/office/drawing/2014/main" id="{E5A70146-98CA-431D-9178-50879BF7703D}"/>
+              </a:ext>
+            </a:extLst>
+          </p:cNvPr>
+          <p:cNvPicPr>
+            <a:picLocks noChangeAspect="1"/>
+          </p:cNvPicPr>
+          <p:nvPr/>
+        </p:nvPicPr>
+        <p:blipFill>
+          <a:blip r:embed="rId2"/>
+          <a:stretch>
+            <a:fillRect/>
+          </a:stretch>
+        </p:blipFill>
+        <p:spPr>
+          <a:xfrm>
+            <a:off x="153450" y="1660966"/>
+            <a:ext cx="10554012" cy="5197033"/>
+          </a:xfrm>
+          <a:prstGeom prst="rect">
+            <a:avLst/>
+          </a:prstGeom>
+        </p:spPr>
+      </p:pic>
+      <p:sp>
+        <p:nvSpPr>
+          <p:cNvPr id="6" name="TextBox 5">
+            <a:extLst>
+              <a:ext uri="{FF2B5EF4-FFF2-40B4-BE49-F238E27FC236}">
+                <a16:creationId xmlns:a16="http://schemas.microsoft.com/office/drawing/2014/main" id="{F651C14A-C3BA-4198-8CAA-8FD3535BC648}"/>
+              </a:ext>
+            </a:extLst>
+          </p:cNvPr>
+          <p:cNvSpPr txBox="1"/>
+          <p:nvPr/>
+        </p:nvSpPr>
+        <p:spPr>
+          <a:xfrm>
+            <a:off x="581192" y="1355075"/>
+            <a:ext cx="5519075" cy="369332"/>
+          </a:xfrm>
+          <a:prstGeom prst="rect">
+            <a:avLst/>
+          </a:prstGeom>
+          <a:noFill/>
+        </p:spPr>
+        <p:txBody>
+          <a:bodyPr wrap="none" rtlCol="0">
+            <a:spAutoFit/>
+          </a:bodyPr>
+          <a:lstStyle/>
+          <a:p>
+            <a:r>
+              <a:rPr lang="en-US" dirty="0" err="1"/>
+              <a:t>TimeOutPhaseDuration</a:t>
+            </a:r>
+            <a:r>
+              <a:rPr lang="en-US" dirty="0"/>
+              <a:t> and </a:t>
+            </a:r>
+            <a:r>
+              <a:rPr lang="en-US" dirty="0" err="1"/>
+              <a:t>StopWatch</a:t>
+            </a:r>
+            <a:r>
+              <a:rPr lang="en-US" dirty="0"/>
+              <a:t> create together.</a:t>
+            </a:r>
+          </a:p>
+        </p:txBody>
+      </p:sp>
+    </p:spTree>
+    <p:extLst>
+      <p:ext uri="{BB962C8B-B14F-4D97-AF65-F5344CB8AC3E}">
+        <p14:creationId xmlns:p14="http://schemas.microsoft.com/office/powerpoint/2010/main" val="1942920277"/>
+      </p:ext>
+    </p:extLst>
+  </p:cSld>
+  <p:clrMapOvr>
+    <a:masterClrMapping/>
+  </p:clrMapOvr>
+</p:sld>
+</file>
+
+<file path=ppt/slides/slide7.xml><?xml version="1.0" encoding="utf-8"?>
+<p:sld xmlns:a="http://schemas.openxmlformats.org/drawingml/2006/main" xmlns:r="http://schemas.openxmlformats.org/officeDocument/2006/relationships" xmlns:p="http://schemas.openxmlformats.org/presentationml/2006/main">
+  <p:cSld>
+    <p:spTree>
+      <p:nvGrpSpPr>
+        <p:cNvPr id="1" name=""/>
+        <p:cNvGrpSpPr/>
+        <p:nvPr/>
+      </p:nvGrpSpPr>
+      <p:grpSpPr>
+        <a:xfrm>
+          <a:off x="0" y="0"/>
+          <a:ext cx="0" cy="0"/>
+          <a:chOff x="0" y="0"/>
+          <a:chExt cx="0" cy="0"/>
+        </a:xfrm>
+      </p:grpSpPr>
+      <p:sp>
+        <p:nvSpPr>
+          <p:cNvPr id="2" name="Title 1">
+            <a:extLst>
+              <a:ext uri="{FF2B5EF4-FFF2-40B4-BE49-F238E27FC236}">
+                <a16:creationId xmlns:a16="http://schemas.microsoft.com/office/drawing/2014/main" id="{FF782344-F07B-458C-B9CF-737BBD285A59}"/>
+              </a:ext>
+            </a:extLst>
+          </p:cNvPr>
+          <p:cNvSpPr>
+            <a:spLocks noGrp="1"/>
+          </p:cNvSpPr>
+          <p:nvPr>
+            <p:ph type="title"/>
+          </p:nvPr>
+        </p:nvSpPr>
+        <p:spPr>
+          <a:xfrm>
+            <a:off x="581192" y="702156"/>
+            <a:ext cx="11029616" cy="477967"/>
+          </a:xfrm>
+        </p:spPr>
+        <p:txBody>
+          <a:bodyPr>
+            <a:normAutofit fontScale="90000"/>
+          </a:bodyPr>
+          <a:lstStyle/>
+          <a:p>
+            <a:r>
+              <a:rPr lang="en-US" dirty="0"/>
+              <a:t>DEMO4 -3</a:t>
+            </a:r>
+          </a:p>
+        </p:txBody>
+      </p:sp>
+      <p:pic>
+        <p:nvPicPr>
+          <p:cNvPr id="5" name="Picture 4">
+            <a:extLst>
+              <a:ext uri="{FF2B5EF4-FFF2-40B4-BE49-F238E27FC236}">
+                <a16:creationId xmlns:a16="http://schemas.microsoft.com/office/drawing/2014/main" id="{731017E5-140D-46E5-9286-6282E44BC80A}"/>
+              </a:ext>
+            </a:extLst>
+          </p:cNvPr>
+          <p:cNvPicPr>
+            <a:picLocks noChangeAspect="1"/>
+          </p:cNvPicPr>
+          <p:nvPr/>
+        </p:nvPicPr>
+        <p:blipFill>
+          <a:blip r:embed="rId2"/>
+          <a:stretch>
+            <a:fillRect/>
+          </a:stretch>
+        </p:blipFill>
+        <p:spPr>
+          <a:xfrm>
+            <a:off x="146900" y="1516777"/>
+            <a:ext cx="12192000" cy="5236972"/>
+          </a:xfrm>
+          <a:prstGeom prst="rect">
+            <a:avLst/>
+          </a:prstGeom>
+        </p:spPr>
+      </p:pic>
+      <p:sp>
+        <p:nvSpPr>
+          <p:cNvPr id="6" name="TextBox 5">
+            <a:extLst>
+              <a:ext uri="{FF2B5EF4-FFF2-40B4-BE49-F238E27FC236}">
+                <a16:creationId xmlns:a16="http://schemas.microsoft.com/office/drawing/2014/main" id="{B322164C-0F8B-4272-B93E-96DA7B9D32EE}"/>
+              </a:ext>
+            </a:extLst>
+          </p:cNvPr>
+          <p:cNvSpPr txBox="1"/>
+          <p:nvPr/>
+        </p:nvSpPr>
+        <p:spPr>
+          <a:xfrm>
+            <a:off x="364027" y="1239424"/>
+            <a:ext cx="5759525" cy="369332"/>
+          </a:xfrm>
+          <a:prstGeom prst="rect">
+            <a:avLst/>
+          </a:prstGeom>
+          <a:noFill/>
+        </p:spPr>
+        <p:txBody>
+          <a:bodyPr wrap="none" rtlCol="0">
+            <a:spAutoFit/>
+          </a:bodyPr>
+          <a:lstStyle/>
+          <a:p>
+            <a:r>
+              <a:rPr lang="en-US" dirty="0"/>
+              <a:t>This code is not really doing GC. Check snapshot 3 and 4.</a:t>
+            </a:r>
+          </a:p>
+        </p:txBody>
+      </p:sp>
+    </p:spTree>
+    <p:extLst>
+      <p:ext uri="{BB962C8B-B14F-4D97-AF65-F5344CB8AC3E}">
+        <p14:creationId xmlns:p14="http://schemas.microsoft.com/office/powerpoint/2010/main" val="3445738222"/>
+      </p:ext>
+    </p:extLst>
+  </p:cSld>
+  <p:clrMapOvr>
+    <a:masterClrMapping/>
+  </p:clrMapOvr>
+</p:sld>
+</file>
+
+<file path=ppt/slides/slide8.xml><?xml version="1.0" encoding="utf-8"?>
+<p:sld xmlns:a="http://schemas.openxmlformats.org/drawingml/2006/main" xmlns:r="http://schemas.openxmlformats.org/officeDocument/2006/relationships" xmlns:p="http://schemas.openxmlformats.org/presentationml/2006/main">
+  <p:cSld>
+    <p:spTree>
+      <p:nvGrpSpPr>
+        <p:cNvPr id="1" name=""/>
+        <p:cNvGrpSpPr/>
+        <p:nvPr/>
+      </p:nvGrpSpPr>
+      <p:grpSpPr>
+        <a:xfrm>
+          <a:off x="0" y="0"/>
+          <a:ext cx="0" cy="0"/>
+          <a:chOff x="0" y="0"/>
+          <a:chExt cx="0" cy="0"/>
+        </a:xfrm>
+      </p:grpSpPr>
+      <p:sp>
+        <p:nvSpPr>
+          <p:cNvPr id="2" name="Title 1">
+            <a:extLst>
+              <a:ext uri="{FF2B5EF4-FFF2-40B4-BE49-F238E27FC236}">
+                <a16:creationId xmlns:a16="http://schemas.microsoft.com/office/drawing/2014/main" id="{FF782344-F07B-458C-B9CF-737BBD285A59}"/>
+              </a:ext>
+            </a:extLst>
+          </p:cNvPr>
+          <p:cNvSpPr>
+            <a:spLocks noGrp="1"/>
+          </p:cNvSpPr>
+          <p:nvPr>
+            <p:ph type="title"/>
+          </p:nvPr>
+        </p:nvSpPr>
+        <p:spPr>
+          <a:xfrm>
+            <a:off x="581192" y="702156"/>
+            <a:ext cx="11029616" cy="477967"/>
+          </a:xfrm>
+        </p:spPr>
+        <p:txBody>
+          <a:bodyPr>
+            <a:normAutofit fontScale="90000"/>
+          </a:bodyPr>
+          <a:lstStyle/>
+          <a:p>
+            <a:r>
+              <a:rPr lang="en-US" dirty="0"/>
+              <a:t>DEMO5 –</a:t>
+            </a:r>
+            <a:r>
+              <a:rPr lang="en-US" dirty="0" err="1"/>
+              <a:t>Idisposable</a:t>
+            </a:r>
+            <a:r>
+              <a:rPr lang="en-US" dirty="0"/>
+              <a:t> - 1</a:t>
+            </a:r>
+          </a:p>
+        </p:txBody>
+      </p:sp>
+      <p:pic>
+        <p:nvPicPr>
+          <p:cNvPr id="4" name="Picture 3">
+            <a:extLst>
+              <a:ext uri="{FF2B5EF4-FFF2-40B4-BE49-F238E27FC236}">
+                <a16:creationId xmlns:a16="http://schemas.microsoft.com/office/drawing/2014/main" id="{A65D7C11-C9C1-458C-8319-F6D187400A7D}"/>
+              </a:ext>
+            </a:extLst>
+          </p:cNvPr>
+          <p:cNvPicPr>
+            <a:picLocks noChangeAspect="1"/>
+          </p:cNvPicPr>
+          <p:nvPr/>
+        </p:nvPicPr>
+        <p:blipFill>
+          <a:blip r:embed="rId2"/>
+          <a:stretch>
+            <a:fillRect/>
+          </a:stretch>
+        </p:blipFill>
+        <p:spPr>
+          <a:xfrm>
+            <a:off x="64655" y="1780937"/>
+            <a:ext cx="12192000" cy="5077063"/>
+          </a:xfrm>
+          <a:prstGeom prst="rect">
+            <a:avLst/>
+          </a:prstGeom>
+        </p:spPr>
+      </p:pic>
+      <p:sp>
+        <p:nvSpPr>
+          <p:cNvPr id="5" name="TextBox 4">
+            <a:extLst>
+              <a:ext uri="{FF2B5EF4-FFF2-40B4-BE49-F238E27FC236}">
+                <a16:creationId xmlns:a16="http://schemas.microsoft.com/office/drawing/2014/main" id="{7594C48B-317F-4BBE-8D69-36424757C23B}"/>
+              </a:ext>
+            </a:extLst>
+          </p:cNvPr>
+          <p:cNvSpPr txBox="1"/>
+          <p:nvPr/>
+        </p:nvSpPr>
+        <p:spPr>
+          <a:xfrm>
+            <a:off x="471055" y="1431636"/>
+            <a:ext cx="4786182" cy="369332"/>
+          </a:xfrm>
+          <a:prstGeom prst="rect">
+            <a:avLst/>
+          </a:prstGeom>
+          <a:noFill/>
+        </p:spPr>
+        <p:txBody>
+          <a:bodyPr wrap="none" rtlCol="0">
+            <a:spAutoFit/>
+          </a:bodyPr>
+          <a:lstStyle/>
+          <a:p>
+            <a:r>
+              <a:rPr lang="en-US" dirty="0"/>
+              <a:t>Compare to Demo4, the objects increased less.</a:t>
+            </a:r>
+          </a:p>
+        </p:txBody>
+      </p:sp>
+    </p:spTree>
+    <p:extLst>
+      <p:ext uri="{BB962C8B-B14F-4D97-AF65-F5344CB8AC3E}">
+        <p14:creationId xmlns:p14="http://schemas.microsoft.com/office/powerpoint/2010/main" val="900993989"/>
+      </p:ext>
+    </p:extLst>
+  </p:cSld>
+  <p:clrMapOvr>
+    <a:masterClrMapping/>
+  </p:clrMapOvr>
+</p:sld>
+</file>
+
+<file path=ppt/slides/slide9.xml><?xml version="1.0" encoding="utf-8"?>
+<p:sld xmlns:a="http://schemas.openxmlformats.org/drawingml/2006/main" xmlns:r="http://schemas.openxmlformats.org/officeDocument/2006/relationships" xmlns:p="http://schemas.openxmlformats.org/presentationml/2006/main">
+  <p:cSld>
+    <p:spTree>
+      <p:nvGrpSpPr>
+        <p:cNvPr id="1" name=""/>
+        <p:cNvGrpSpPr/>
+        <p:nvPr/>
+      </p:nvGrpSpPr>
+      <p:grpSpPr>
+        <a:xfrm>
+          <a:off x="0" y="0"/>
+          <a:ext cx="0" cy="0"/>
+          <a:chOff x="0" y="0"/>
+          <a:chExt cx="0" cy="0"/>
+        </a:xfrm>
+      </p:grpSpPr>
+      <p:sp>
+        <p:nvSpPr>
+          <p:cNvPr id="2" name="Title 1">
+            <a:extLst>
+              <a:ext uri="{FF2B5EF4-FFF2-40B4-BE49-F238E27FC236}">
+                <a16:creationId xmlns:a16="http://schemas.microsoft.com/office/drawing/2014/main" id="{FF782344-F07B-458C-B9CF-737BBD285A59}"/>
+              </a:ext>
+            </a:extLst>
+          </p:cNvPr>
+          <p:cNvSpPr>
+            <a:spLocks noGrp="1"/>
+          </p:cNvSpPr>
+          <p:nvPr>
+            <p:ph type="title"/>
+          </p:nvPr>
+        </p:nvSpPr>
+        <p:spPr>
+          <a:xfrm>
+            <a:off x="581192" y="702156"/>
+            <a:ext cx="11029616" cy="477967"/>
+          </a:xfrm>
+        </p:spPr>
+        <p:txBody>
+          <a:bodyPr>
+            <a:normAutofit fontScale="90000"/>
+          </a:bodyPr>
+          <a:lstStyle/>
+          <a:p>
+            <a:r>
+              <a:rPr lang="en-US" dirty="0"/>
+              <a:t>DEMO5 –Idisposable-2</a:t>
+            </a:r>
+          </a:p>
+        </p:txBody>
+      </p:sp>
+      <p:sp>
+        <p:nvSpPr>
+          <p:cNvPr id="5" name="TextBox 4">
+            <a:extLst>
+              <a:ext uri="{FF2B5EF4-FFF2-40B4-BE49-F238E27FC236}">
+                <a16:creationId xmlns:a16="http://schemas.microsoft.com/office/drawing/2014/main" id="{7594C48B-317F-4BBE-8D69-36424757C23B}"/>
+              </a:ext>
+            </a:extLst>
+          </p:cNvPr>
+          <p:cNvSpPr txBox="1"/>
+          <p:nvPr/>
+        </p:nvSpPr>
+        <p:spPr>
+          <a:xfrm>
+            <a:off x="471055" y="1431636"/>
+            <a:ext cx="5893152" cy="369332"/>
+          </a:xfrm>
+          <a:prstGeom prst="rect">
+            <a:avLst/>
+          </a:prstGeom>
+          <a:noFill/>
+        </p:spPr>
+        <p:txBody>
+          <a:bodyPr wrap="none" rtlCol="0">
+            <a:spAutoFit/>
+          </a:bodyPr>
+          <a:lstStyle/>
+          <a:p>
+            <a:r>
+              <a:rPr lang="en-US" dirty="0" err="1"/>
+              <a:t>TimeOutPhaseDuration</a:t>
+            </a:r>
+            <a:r>
+              <a:rPr lang="en-US" dirty="0"/>
+              <a:t> and </a:t>
+            </a:r>
+            <a:r>
+              <a:rPr lang="en-US" dirty="0" err="1"/>
+              <a:t>StopWatch</a:t>
+            </a:r>
+            <a:r>
+              <a:rPr lang="en-US" dirty="0"/>
+              <a:t> are no longer there</a:t>
+            </a:r>
+          </a:p>
+        </p:txBody>
+      </p:sp>
+      <p:pic>
+        <p:nvPicPr>
+          <p:cNvPr id="6" name="Picture 5">
+            <a:extLst>
+              <a:ext uri="{FF2B5EF4-FFF2-40B4-BE49-F238E27FC236}">
+                <a16:creationId xmlns:a16="http://schemas.microsoft.com/office/drawing/2014/main" id="{E4FEEA19-A5E4-4236-874C-6D7C10605ADB}"/>
+              </a:ext>
+            </a:extLst>
+          </p:cNvPr>
+          <p:cNvPicPr>
+            <a:picLocks noChangeAspect="1"/>
+          </p:cNvPicPr>
+          <p:nvPr/>
+        </p:nvPicPr>
+        <p:blipFill>
+          <a:blip r:embed="rId2"/>
+          <a:stretch>
+            <a:fillRect/>
+          </a:stretch>
+        </p:blipFill>
+        <p:spPr>
+          <a:xfrm>
+            <a:off x="314037" y="1979804"/>
+            <a:ext cx="9667875" cy="4562475"/>
+          </a:xfrm>
+          <a:prstGeom prst="rect">
+            <a:avLst/>
+          </a:prstGeom>
+        </p:spPr>
+      </p:pic>
+    </p:spTree>
+    <p:extLst>
+      <p:ext uri="{BB962C8B-B14F-4D97-AF65-F5344CB8AC3E}">
+        <p14:creationId xmlns:p14="http://schemas.microsoft.com/office/powerpoint/2010/main" val="3510741899"/>
       </p:ext>
     </p:extLst>
   </p:cSld>
@@ -5314,24 +7079,6 @@
 </file>
 
 <file path=customXml/item1.xml><?xml version="1.0" encoding="utf-8"?>
-<p:properties xmlns:p="http://schemas.microsoft.com/office/2006/metadata/properties" xmlns:xsi="http://www.w3.org/2001/XMLSchema-instance" xmlns:pc="http://schemas.microsoft.com/office/infopath/2007/PartnerControls">
-  <documentManagement>
-    <Status xmlns="71af3243-3dd4-4a8d-8c0d-dd76da1f02a5">Not started</Status>
-    <MediaServiceKeyPoints xmlns="71af3243-3dd4-4a8d-8c0d-dd76da1f02a5" xsi:nil="true"/>
-  </documentManagement>
-</p:properties>
-</file>
-
-<file path=customXml/item2.xml><?xml version="1.0" encoding="utf-8"?>
-<?mso-contentType ?>
-<FormTemplates xmlns="http://schemas.microsoft.com/sharepoint/v3/contenttype/forms">
-  <Display>DocumentLibraryForm</Display>
-  <Edit>DocumentLibraryForm</Edit>
-  <New>DocumentLibraryForm</New>
-</FormTemplates>
-</file>
-
-<file path=customXml/item3.xml><?xml version="1.0" encoding="utf-8"?>
 <ct:contentTypeSchema xmlns:ct="http://schemas.microsoft.com/office/2006/metadata/contentType" xmlns:ma="http://schemas.microsoft.com/office/2006/metadata/properties/metaAttributes" ct:_="" ma:_="" ma:contentTypeName="Document" ma:contentTypeID="0x01010079F111ED35F8CC479449609E8A0923A6" ma:contentTypeVersion="12" ma:contentTypeDescription="Create a new document." ma:contentTypeScope="" ma:versionID="a410dd7f93c95333ffa1b60ed6adedd1">
   <xsd:schema xmlns:xsd="http://www.w3.org/2001/XMLSchema" xmlns:xs="http://www.w3.org/2001/XMLSchema" xmlns:p="http://schemas.microsoft.com/office/2006/metadata/properties" xmlns:ns2="71af3243-3dd4-4a8d-8c0d-dd76da1f02a5" xmlns:ns3="16c05727-aa75-4e4a-9b5f-8a80a1165891" targetNamespace="http://schemas.microsoft.com/office/2006/metadata/properties" ma:root="true" ma:fieldsID="a936d9baba76aa3866493feff160faab" ns2:_="" ns3:_="">
     <xsd:import namespace="71af3243-3dd4-4a8d-8c0d-dd76da1f02a5"/>
@@ -5552,25 +7299,25 @@
 </ct:contentTypeSchema>
 </file>
 
-<file path=customXml/itemProps1.xml><?xml version="1.0" encoding="utf-8"?>
-<ds:datastoreItem xmlns:ds="http://schemas.openxmlformats.org/officeDocument/2006/customXml" ds:itemID="{8D289AE2-D2AE-49D1-AFAC-3A79F6794255}">
-  <ds:schemaRefs>
-    <ds:schemaRef ds:uri="http://schemas.microsoft.com/office/2006/metadata/properties"/>
-    <ds:schemaRef ds:uri="http://schemas.microsoft.com/office/infopath/2007/PartnerControls"/>
-    <ds:schemaRef ds:uri="71af3243-3dd4-4a8d-8c0d-dd76da1f02a5"/>
-  </ds:schemaRefs>
-</ds:datastoreItem>
+<file path=customXml/item2.xml><?xml version="1.0" encoding="utf-8"?>
+<?mso-contentType ?>
+<FormTemplates xmlns="http://schemas.microsoft.com/sharepoint/v3/contenttype/forms">
+  <Display>DocumentLibraryForm</Display>
+  <Edit>DocumentLibraryForm</Edit>
+  <New>DocumentLibraryForm</New>
+</FormTemplates>
 </file>
 
-<file path=customXml/itemProps2.xml><?xml version="1.0" encoding="utf-8"?>
-<ds:datastoreItem xmlns:ds="http://schemas.openxmlformats.org/officeDocument/2006/customXml" ds:itemID="{927BD4C1-B6B1-4715-ABF9-E660A51A4EA0}">
-  <ds:schemaRefs>
-    <ds:schemaRef ds:uri="http://schemas.microsoft.com/sharepoint/v3/contenttype/forms"/>
-  </ds:schemaRefs>
-</ds:datastoreItem>
+<file path=customXml/item3.xml><?xml version="1.0" encoding="utf-8"?>
+<p:properties xmlns:p="http://schemas.microsoft.com/office/2006/metadata/properties" xmlns:xsi="http://www.w3.org/2001/XMLSchema-instance" xmlns:pc="http://schemas.microsoft.com/office/infopath/2007/PartnerControls">
+  <documentManagement>
+    <Status xmlns="71af3243-3dd4-4a8d-8c0d-dd76da1f02a5">Not started</Status>
+    <MediaServiceKeyPoints xmlns="71af3243-3dd4-4a8d-8c0d-dd76da1f02a5" xsi:nil="true"/>
+  </documentManagement>
+</p:properties>
 </file>
 
-<file path=customXml/itemProps3.xml><?xml version="1.0" encoding="utf-8"?>
+<file path=customXml/itemProps1.xml><?xml version="1.0" encoding="utf-8"?>
 <ds:datastoreItem xmlns:ds="http://schemas.openxmlformats.org/officeDocument/2006/customXml" ds:itemID="{41E7CA09-9778-4414-AE97-8064B12DA30E}">
   <ds:schemaRefs>
     <ds:schemaRef ds:uri="http://schemas.microsoft.com/office/2006/metadata/contentType"/>
@@ -5587,4 +7334,22 @@
     <ds:schemaRef ds:uri="http://schemas.microsoft.com/internal/obd"/>
   </ds:schemaRefs>
 </ds:datastoreItem>
+</file>
+
+<file path=customXml/itemProps2.xml><?xml version="1.0" encoding="utf-8"?>
+<ds:datastoreItem xmlns:ds="http://schemas.openxmlformats.org/officeDocument/2006/customXml" ds:itemID="{927BD4C1-B6B1-4715-ABF9-E660A51A4EA0}">
+  <ds:schemaRefs>
+    <ds:schemaRef ds:uri="http://schemas.microsoft.com/sharepoint/v3/contenttype/forms"/>
+  </ds:schemaRefs>
+</ds:datastoreItem>
+</file>
+
+<file path=customXml/itemProps3.xml><?xml version="1.0" encoding="utf-8"?>
+<ds:datastoreItem xmlns:ds="http://schemas.openxmlformats.org/officeDocument/2006/customXml" ds:itemID="{8D289AE2-D2AE-49D1-AFAC-3A79F6794255}">
+  <ds:schemaRefs>
+    <ds:schemaRef ds:uri="http://schemas.microsoft.com/office/2006/metadata/properties"/>
+    <ds:schemaRef ds:uri="http://schemas.microsoft.com/office/infopath/2007/PartnerControls"/>
+    <ds:schemaRef ds:uri="71af3243-3dd4-4a8d-8c0d-dd76da1f02a5"/>
+  </ds:schemaRefs>
+</ds:datastoreItem>
 </file>